--- a/DataCleaner Phase1.pptx
+++ b/DataCleaner Phase1.pptx
@@ -14285,11 +14285,7 @@
             </a:pPr>
             <a:r>
               <a:rPr lang="en-US" sz="1600" b="1" dirty="0"/>
-              <a:t>ARAVIND </a:t>
-            </a:r>
-            <a:r>
-              <a:rPr lang="en-US" sz="1600" b="1"/>
-              <a:t>SURESH                      </a:t>
+              <a:t>ARAVIND SURESH                      </a:t>
             </a:r>
             <a:endParaRPr sz="1600" b="1" dirty="0"/>
           </a:p>
@@ -14309,7 +14305,7 @@
             </a:pPr>
             <a:r>
               <a:rPr lang="en-US" sz="1600" b="1" dirty="0"/>
-              <a:t>M S KAUSHIK                             </a:t>
+              <a:t>M S KAUSHIK                                            </a:t>
             </a:r>
             <a:endParaRPr sz="1600" b="1" dirty="0"/>
           </a:p>
@@ -14329,7 +14325,7 @@
             </a:pPr>
             <a:r>
               <a:rPr lang="en-US" sz="1600" b="1" dirty="0"/>
-              <a:t>MANISH A S                                </a:t>
+              <a:t>MANISH A S                                            </a:t>
             </a:r>
             <a:endParaRPr sz="1600" b="1" dirty="0"/>
           </a:p>
@@ -14349,7 +14345,11 @@
             </a:pPr>
             <a:r>
               <a:rPr lang="en-US" sz="1600" b="1" dirty="0"/>
-              <a:t>SANDEEP AROCKIA SAMRAJ X </a:t>
+              <a:t>SANDEEP AROCKIA </a:t>
+            </a:r>
+            <a:r>
+              <a:rPr lang="en-US" sz="1600" b="1"/>
+              <a:t>SAMRAJ X </a:t>
             </a:r>
             <a:endParaRPr sz="1600" b="1" dirty="0"/>
           </a:p>
